--- a/basics1/results/good-documentation.pptx
+++ b/basics1/results/good-documentation.pptx
@@ -234,7 +234,7 @@
           <a:p>
             <a:fld id="{0F9C1CCF-B725-44A7-AA57-5E433BD85C9F}" type="datetimeFigureOut">
               <a:rPr lang="en-US" smtClean="0"/>
-              <a:t>2/17/2018</a:t>
+              <a:t>4/5/2019</a:t>
             </a:fld>
             <a:endParaRPr lang="en-US"/>
           </a:p>
@@ -18231,7 +18231,7 @@
           <a:p>
             <a:fld id="{241EB5C9-1307-BA42-ABA2-0BC069CD8E7F}" type="datetimeFigureOut">
               <a:rPr lang="en-US" smtClean="0"/>
-              <a:t>2/17/2018</a:t>
+              <a:t>4/5/2019</a:t>
             </a:fld>
             <a:endParaRPr lang="en-US"/>
           </a:p>
@@ -18401,7 +18401,7 @@
           <a:p>
             <a:fld id="{241EB5C9-1307-BA42-ABA2-0BC069CD8E7F}" type="datetimeFigureOut">
               <a:rPr lang="en-US" smtClean="0"/>
-              <a:t>2/17/2018</a:t>
+              <a:t>4/5/2019</a:t>
             </a:fld>
             <a:endParaRPr lang="en-US"/>
           </a:p>
@@ -18581,7 +18581,7 @@
           <a:p>
             <a:fld id="{241EB5C9-1307-BA42-ABA2-0BC069CD8E7F}" type="datetimeFigureOut">
               <a:rPr lang="en-US" smtClean="0"/>
-              <a:t>2/17/2018</a:t>
+              <a:t>4/5/2019</a:t>
             </a:fld>
             <a:endParaRPr lang="en-US"/>
           </a:p>
@@ -18751,7 +18751,7 @@
           <a:p>
             <a:fld id="{241EB5C9-1307-BA42-ABA2-0BC069CD8E7F}" type="datetimeFigureOut">
               <a:rPr lang="en-US" smtClean="0"/>
-              <a:t>2/17/2018</a:t>
+              <a:t>4/5/2019</a:t>
             </a:fld>
             <a:endParaRPr lang="en-US"/>
           </a:p>
@@ -18997,7 +18997,7 @@
           <a:p>
             <a:fld id="{241EB5C9-1307-BA42-ABA2-0BC069CD8E7F}" type="datetimeFigureOut">
               <a:rPr lang="en-US" smtClean="0"/>
-              <a:t>2/17/2018</a:t>
+              <a:t>4/5/2019</a:t>
             </a:fld>
             <a:endParaRPr lang="en-US"/>
           </a:p>
@@ -19285,7 +19285,7 @@
           <a:p>
             <a:fld id="{241EB5C9-1307-BA42-ABA2-0BC069CD8E7F}" type="datetimeFigureOut">
               <a:rPr lang="en-US" smtClean="0"/>
-              <a:t>2/17/2018</a:t>
+              <a:t>4/5/2019</a:t>
             </a:fld>
             <a:endParaRPr lang="en-US"/>
           </a:p>
@@ -19707,7 +19707,7 @@
           <a:p>
             <a:fld id="{241EB5C9-1307-BA42-ABA2-0BC069CD8E7F}" type="datetimeFigureOut">
               <a:rPr lang="en-US" smtClean="0"/>
-              <a:t>2/17/2018</a:t>
+              <a:t>4/5/2019</a:t>
             </a:fld>
             <a:endParaRPr lang="en-US"/>
           </a:p>
@@ -19825,7 +19825,7 @@
           <a:p>
             <a:fld id="{241EB5C9-1307-BA42-ABA2-0BC069CD8E7F}" type="datetimeFigureOut">
               <a:rPr lang="en-US" smtClean="0"/>
-              <a:t>2/17/2018</a:t>
+              <a:t>4/5/2019</a:t>
             </a:fld>
             <a:endParaRPr lang="en-US"/>
           </a:p>
@@ -19920,7 +19920,7 @@
           <a:p>
             <a:fld id="{241EB5C9-1307-BA42-ABA2-0BC069CD8E7F}" type="datetimeFigureOut">
               <a:rPr lang="en-US" smtClean="0"/>
-              <a:t>2/17/2018</a:t>
+              <a:t>4/5/2019</a:t>
             </a:fld>
             <a:endParaRPr lang="en-US"/>
           </a:p>
@@ -20197,7 +20197,7 @@
           <a:p>
             <a:fld id="{241EB5C9-1307-BA42-ABA2-0BC069CD8E7F}" type="datetimeFigureOut">
               <a:rPr lang="en-US" smtClean="0"/>
-              <a:t>2/17/2018</a:t>
+              <a:t>4/5/2019</a:t>
             </a:fld>
             <a:endParaRPr lang="en-US"/>
           </a:p>
@@ -20450,7 +20450,7 @@
           <a:p>
             <a:fld id="{241EB5C9-1307-BA42-ABA2-0BC069CD8E7F}" type="datetimeFigureOut">
               <a:rPr lang="en-US" smtClean="0"/>
-              <a:t>2/17/2018</a:t>
+              <a:t>4/5/2019</a:t>
             </a:fld>
             <a:endParaRPr lang="en-US"/>
           </a:p>
@@ -20663,7 +20663,7 @@
           <a:p>
             <a:fld id="{241EB5C9-1307-BA42-ABA2-0BC069CD8E7F}" type="datetimeFigureOut">
               <a:rPr lang="en-US" smtClean="0"/>
-              <a:t>2/17/2018</a:t>
+              <a:t>4/5/2019</a:t>
             </a:fld>
             <a:endParaRPr lang="en-US"/>
           </a:p>
@@ -22517,7 +22517,7 @@
             <a:pPr lvl="1"/>
             <a:r>
               <a:rPr/>
-              <a:t>This presentation was written on 2019-06-05 and was last modified on 2019-07-22.</a:t>
+              <a:t>This presentation was written on 2019-06-05 and was last modified on 2020-06-26.</a:t>
             </a:r>
           </a:p>
         </p:txBody>
@@ -23870,7 +23870,7 @@
             <a:pPr lvl="1"/>
             <a:r>
               <a:rPr/>
-              <a:t>This program is written in R Markdown. It was run using R version 3.6.0 (2019-04-26). It requires the use of the knitr package. It produces a PowerPoint file, including speaker notes that you can use to talk about good documentation practices.</a:t>
+              <a:t>This program is written in R Markdown. It was run using R version 4.0.0 (2020-04-24). It requires the use of the knitr package. It produces a PowerPoint file, including speaker notes that you can use to talk about good documentation practices.</a:t>
             </a:r>
           </a:p>
           <a:p>
